--- a/LFP/Figure2.pptx
+++ b/LFP/Figure2.pptx
@@ -2,12 +2,15 @@
 <file path=ppt/presentation.xml><?xml version="1.0" encoding="utf-8"?>
 <p:presentation xmlns:a="http://schemas.openxmlformats.org/drawingml/2006/main" xmlns:r="http://schemas.openxmlformats.org/officeDocument/2006/relationships" xmlns:p="http://schemas.openxmlformats.org/presentationml/2006/main" saveSubsetFonts="1" autoCompressPictures="0">
   <p:sldMasterIdLst>
-    <p:sldMasterId id="2147483660" r:id="rId1"/>
+    <p:sldMasterId id="2147483672" r:id="rId1"/>
   </p:sldMasterIdLst>
+  <p:notesMasterIdLst>
+    <p:notesMasterId r:id="rId3"/>
+  </p:notesMasterIdLst>
   <p:sldIdLst>
     <p:sldId id="256" r:id="rId2"/>
   </p:sldIdLst>
-  <p:sldSz cx="19799300" cy="14400213"/>
+  <p:sldSz cx="39600188" cy="14400213"/>
   <p:notesSz cx="6858000" cy="9144000"/>
   <p:defaultTextStyle>
     <a:defPPr>
@@ -112,6 +115,439 @@
 </p:presentation>
 </file>
 
+<file path=ppt/notesMasters/notesMaster1.xml><?xml version="1.0" encoding="utf-8"?>
+<p:notesMaster xmlns:a="http://schemas.openxmlformats.org/drawingml/2006/main" xmlns:r="http://schemas.openxmlformats.org/officeDocument/2006/relationships" xmlns:p="http://schemas.openxmlformats.org/presentationml/2006/main">
+  <p:cSld>
+    <p:bg>
+      <p:bgRef idx="1001">
+        <a:schemeClr val="bg1"/>
+      </p:bgRef>
+    </p:bg>
+    <p:spTree>
+      <p:nvGrpSpPr>
+        <p:cNvPr id="1" name=""/>
+        <p:cNvGrpSpPr/>
+        <p:nvPr/>
+      </p:nvGrpSpPr>
+      <p:grpSpPr>
+        <a:xfrm>
+          <a:off x="0" y="0"/>
+          <a:ext cx="0" cy="0"/>
+          <a:chOff x="0" y="0"/>
+          <a:chExt cx="0" cy="0"/>
+        </a:xfrm>
+      </p:grpSpPr>
+      <p:sp>
+        <p:nvSpPr>
+          <p:cNvPr id="2" name="Header Placeholder 1"/>
+          <p:cNvSpPr>
+            <a:spLocks noGrp="1"/>
+          </p:cNvSpPr>
+          <p:nvPr>
+            <p:ph type="hdr" sz="quarter"/>
+          </p:nvPr>
+        </p:nvSpPr>
+        <p:spPr>
+          <a:xfrm>
+            <a:off x="0" y="0"/>
+            <a:ext cx="2971800" cy="458788"/>
+          </a:xfrm>
+          <a:prstGeom prst="rect">
+            <a:avLst/>
+          </a:prstGeom>
+        </p:spPr>
+        <p:txBody>
+          <a:bodyPr vert="horz" lIns="91440" tIns="45720" rIns="91440" bIns="45720" rtlCol="0"/>
+          <a:lstStyle>
+            <a:lvl1pPr algn="l">
+              <a:defRPr sz="1200"/>
+            </a:lvl1pPr>
+          </a:lstStyle>
+          <a:p>
+            <a:endParaRPr lang="en-US"/>
+          </a:p>
+        </p:txBody>
+      </p:sp>
+      <p:sp>
+        <p:nvSpPr>
+          <p:cNvPr id="3" name="Date Placeholder 2"/>
+          <p:cNvSpPr>
+            <a:spLocks noGrp="1"/>
+          </p:cNvSpPr>
+          <p:nvPr>
+            <p:ph type="dt" idx="1"/>
+          </p:nvPr>
+        </p:nvSpPr>
+        <p:spPr>
+          <a:xfrm>
+            <a:off x="3884613" y="0"/>
+            <a:ext cx="2971800" cy="458788"/>
+          </a:xfrm>
+          <a:prstGeom prst="rect">
+            <a:avLst/>
+          </a:prstGeom>
+        </p:spPr>
+        <p:txBody>
+          <a:bodyPr vert="horz" lIns="91440" tIns="45720" rIns="91440" bIns="45720" rtlCol="0"/>
+          <a:lstStyle>
+            <a:lvl1pPr algn="r">
+              <a:defRPr sz="1200"/>
+            </a:lvl1pPr>
+          </a:lstStyle>
+          <a:p>
+            <a:fld id="{427AAFB9-4AEA-D548-8289-84A0A76F5A9C}" type="datetimeFigureOut">
+              <a:rPr lang="en-US" smtClean="0"/>
+              <a:t>7/10/23</a:t>
+            </a:fld>
+            <a:endParaRPr lang="en-US"/>
+          </a:p>
+        </p:txBody>
+      </p:sp>
+      <p:sp>
+        <p:nvSpPr>
+          <p:cNvPr id="4" name="Slide Image Placeholder 3"/>
+          <p:cNvSpPr>
+            <a:spLocks noGrp="1" noRot="1" noChangeAspect="1"/>
+          </p:cNvSpPr>
+          <p:nvPr>
+            <p:ph type="sldImg" idx="2"/>
+          </p:nvPr>
+        </p:nvSpPr>
+        <p:spPr>
+          <a:xfrm>
+            <a:off x="-812800" y="1143000"/>
+            <a:ext cx="8483600" cy="3086100"/>
+          </a:xfrm>
+          <a:prstGeom prst="rect">
+            <a:avLst/>
+          </a:prstGeom>
+          <a:noFill/>
+          <a:ln w="12700">
+            <a:solidFill>
+              <a:prstClr val="black"/>
+            </a:solidFill>
+          </a:ln>
+        </p:spPr>
+        <p:txBody>
+          <a:bodyPr vert="horz" lIns="91440" tIns="45720" rIns="91440" bIns="45720" rtlCol="0" anchor="ctr"/>
+          <a:lstStyle/>
+          <a:p>
+            <a:endParaRPr lang="en-US"/>
+          </a:p>
+        </p:txBody>
+      </p:sp>
+      <p:sp>
+        <p:nvSpPr>
+          <p:cNvPr id="5" name="Notes Placeholder 4"/>
+          <p:cNvSpPr>
+            <a:spLocks noGrp="1"/>
+          </p:cNvSpPr>
+          <p:nvPr>
+            <p:ph type="body" sz="quarter" idx="3"/>
+          </p:nvPr>
+        </p:nvSpPr>
+        <p:spPr>
+          <a:xfrm>
+            <a:off x="685800" y="4400550"/>
+            <a:ext cx="5486400" cy="3600450"/>
+          </a:xfrm>
+          <a:prstGeom prst="rect">
+            <a:avLst/>
+          </a:prstGeom>
+        </p:spPr>
+        <p:txBody>
+          <a:bodyPr vert="horz" lIns="91440" tIns="45720" rIns="91440" bIns="45720" rtlCol="0"/>
+          <a:lstStyle/>
+          <a:p>
+            <a:pPr lvl="0"/>
+            <a:r>
+              <a:rPr lang="en-US"/>
+              <a:t>Click to edit Master text styles</a:t>
+            </a:r>
+          </a:p>
+          <a:p>
+            <a:pPr lvl="1"/>
+            <a:r>
+              <a:rPr lang="en-US"/>
+              <a:t>Second level</a:t>
+            </a:r>
+          </a:p>
+          <a:p>
+            <a:pPr lvl="2"/>
+            <a:r>
+              <a:rPr lang="en-US"/>
+              <a:t>Third level</a:t>
+            </a:r>
+          </a:p>
+          <a:p>
+            <a:pPr lvl="3"/>
+            <a:r>
+              <a:rPr lang="en-US"/>
+              <a:t>Fourth level</a:t>
+            </a:r>
+          </a:p>
+          <a:p>
+            <a:pPr lvl="4"/>
+            <a:r>
+              <a:rPr lang="en-US"/>
+              <a:t>Fifth level</a:t>
+            </a:r>
+          </a:p>
+        </p:txBody>
+      </p:sp>
+      <p:sp>
+        <p:nvSpPr>
+          <p:cNvPr id="6" name="Footer Placeholder 5"/>
+          <p:cNvSpPr>
+            <a:spLocks noGrp="1"/>
+          </p:cNvSpPr>
+          <p:nvPr>
+            <p:ph type="ftr" sz="quarter" idx="4"/>
+          </p:nvPr>
+        </p:nvSpPr>
+        <p:spPr>
+          <a:xfrm>
+            <a:off x="0" y="8685213"/>
+            <a:ext cx="2971800" cy="458787"/>
+          </a:xfrm>
+          <a:prstGeom prst="rect">
+            <a:avLst/>
+          </a:prstGeom>
+        </p:spPr>
+        <p:txBody>
+          <a:bodyPr vert="horz" lIns="91440" tIns="45720" rIns="91440" bIns="45720" rtlCol="0" anchor="b"/>
+          <a:lstStyle>
+            <a:lvl1pPr algn="l">
+              <a:defRPr sz="1200"/>
+            </a:lvl1pPr>
+          </a:lstStyle>
+          <a:p>
+            <a:endParaRPr lang="en-US"/>
+          </a:p>
+        </p:txBody>
+      </p:sp>
+      <p:sp>
+        <p:nvSpPr>
+          <p:cNvPr id="7" name="Slide Number Placeholder 6"/>
+          <p:cNvSpPr>
+            <a:spLocks noGrp="1"/>
+          </p:cNvSpPr>
+          <p:nvPr>
+            <p:ph type="sldNum" sz="quarter" idx="5"/>
+          </p:nvPr>
+        </p:nvSpPr>
+        <p:spPr>
+          <a:xfrm>
+            <a:off x="3884613" y="8685213"/>
+            <a:ext cx="2971800" cy="458787"/>
+          </a:xfrm>
+          <a:prstGeom prst="rect">
+            <a:avLst/>
+          </a:prstGeom>
+        </p:spPr>
+        <p:txBody>
+          <a:bodyPr vert="horz" lIns="91440" tIns="45720" rIns="91440" bIns="45720" rtlCol="0" anchor="b"/>
+          <a:lstStyle>
+            <a:lvl1pPr algn="r">
+              <a:defRPr sz="1200"/>
+            </a:lvl1pPr>
+          </a:lstStyle>
+          <a:p>
+            <a:fld id="{33D22A2B-4079-3E43-826E-FC5EF2EEBC0C}" type="slidenum">
+              <a:rPr lang="en-US" smtClean="0"/>
+              <a:t>‹#›</a:t>
+            </a:fld>
+            <a:endParaRPr lang="en-US"/>
+          </a:p>
+        </p:txBody>
+      </p:sp>
+    </p:spTree>
+    <p:extLst>
+      <p:ext uri="{BB962C8B-B14F-4D97-AF65-F5344CB8AC3E}">
+        <p14:creationId xmlns:p14="http://schemas.microsoft.com/office/powerpoint/2010/main" val="1748271163"/>
+      </p:ext>
+    </p:extLst>
+  </p:cSld>
+  <p:clrMap bg1="lt1" tx1="dk1" bg2="lt2" tx2="dk2" accent1="accent1" accent2="accent2" accent3="accent3" accent4="accent4" accent5="accent5" accent6="accent6" hlink="hlink" folHlink="folHlink"/>
+  <p:notesStyle>
+    <a:lvl1pPr marL="0" algn="l" defTabSz="914400" rtl="0" eaLnBrk="1" latinLnBrk="0" hangingPunct="1">
+      <a:defRPr sz="1200" kern="1200">
+        <a:solidFill>
+          <a:schemeClr val="tx1"/>
+        </a:solidFill>
+        <a:latin typeface="+mn-lt"/>
+        <a:ea typeface="+mn-ea"/>
+        <a:cs typeface="+mn-cs"/>
+      </a:defRPr>
+    </a:lvl1pPr>
+    <a:lvl2pPr marL="457200" algn="l" defTabSz="914400" rtl="0" eaLnBrk="1" latinLnBrk="0" hangingPunct="1">
+      <a:defRPr sz="1200" kern="1200">
+        <a:solidFill>
+          <a:schemeClr val="tx1"/>
+        </a:solidFill>
+        <a:latin typeface="+mn-lt"/>
+        <a:ea typeface="+mn-ea"/>
+        <a:cs typeface="+mn-cs"/>
+      </a:defRPr>
+    </a:lvl2pPr>
+    <a:lvl3pPr marL="914400" algn="l" defTabSz="914400" rtl="0" eaLnBrk="1" latinLnBrk="0" hangingPunct="1">
+      <a:defRPr sz="1200" kern="1200">
+        <a:solidFill>
+          <a:schemeClr val="tx1"/>
+        </a:solidFill>
+        <a:latin typeface="+mn-lt"/>
+        <a:ea typeface="+mn-ea"/>
+        <a:cs typeface="+mn-cs"/>
+      </a:defRPr>
+    </a:lvl3pPr>
+    <a:lvl4pPr marL="1371600" algn="l" defTabSz="914400" rtl="0" eaLnBrk="1" latinLnBrk="0" hangingPunct="1">
+      <a:defRPr sz="1200" kern="1200">
+        <a:solidFill>
+          <a:schemeClr val="tx1"/>
+        </a:solidFill>
+        <a:latin typeface="+mn-lt"/>
+        <a:ea typeface="+mn-ea"/>
+        <a:cs typeface="+mn-cs"/>
+      </a:defRPr>
+    </a:lvl4pPr>
+    <a:lvl5pPr marL="1828800" algn="l" defTabSz="914400" rtl="0" eaLnBrk="1" latinLnBrk="0" hangingPunct="1">
+      <a:defRPr sz="1200" kern="1200">
+        <a:solidFill>
+          <a:schemeClr val="tx1"/>
+        </a:solidFill>
+        <a:latin typeface="+mn-lt"/>
+        <a:ea typeface="+mn-ea"/>
+        <a:cs typeface="+mn-cs"/>
+      </a:defRPr>
+    </a:lvl5pPr>
+    <a:lvl6pPr marL="2286000" algn="l" defTabSz="914400" rtl="0" eaLnBrk="1" latinLnBrk="0" hangingPunct="1">
+      <a:defRPr sz="1200" kern="1200">
+        <a:solidFill>
+          <a:schemeClr val="tx1"/>
+        </a:solidFill>
+        <a:latin typeface="+mn-lt"/>
+        <a:ea typeface="+mn-ea"/>
+        <a:cs typeface="+mn-cs"/>
+      </a:defRPr>
+    </a:lvl6pPr>
+    <a:lvl7pPr marL="2743200" algn="l" defTabSz="914400" rtl="0" eaLnBrk="1" latinLnBrk="0" hangingPunct="1">
+      <a:defRPr sz="1200" kern="1200">
+        <a:solidFill>
+          <a:schemeClr val="tx1"/>
+        </a:solidFill>
+        <a:latin typeface="+mn-lt"/>
+        <a:ea typeface="+mn-ea"/>
+        <a:cs typeface="+mn-cs"/>
+      </a:defRPr>
+    </a:lvl7pPr>
+    <a:lvl8pPr marL="3200400" algn="l" defTabSz="914400" rtl="0" eaLnBrk="1" latinLnBrk="0" hangingPunct="1">
+      <a:defRPr sz="1200" kern="1200">
+        <a:solidFill>
+          <a:schemeClr val="tx1"/>
+        </a:solidFill>
+        <a:latin typeface="+mn-lt"/>
+        <a:ea typeface="+mn-ea"/>
+        <a:cs typeface="+mn-cs"/>
+      </a:defRPr>
+    </a:lvl8pPr>
+    <a:lvl9pPr marL="3657600" algn="l" defTabSz="914400" rtl="0" eaLnBrk="1" latinLnBrk="0" hangingPunct="1">
+      <a:defRPr sz="1200" kern="1200">
+        <a:solidFill>
+          <a:schemeClr val="tx1"/>
+        </a:solidFill>
+        <a:latin typeface="+mn-lt"/>
+        <a:ea typeface="+mn-ea"/>
+        <a:cs typeface="+mn-cs"/>
+      </a:defRPr>
+    </a:lvl9pPr>
+  </p:notesStyle>
+</p:notesMaster>
+</file>
+
+<file path=ppt/notesSlides/notesSlide1.xml><?xml version="1.0" encoding="utf-8"?>
+<p:notes xmlns:a="http://schemas.openxmlformats.org/drawingml/2006/main" xmlns:r="http://schemas.openxmlformats.org/officeDocument/2006/relationships" xmlns:p="http://schemas.openxmlformats.org/presentationml/2006/main">
+  <p:cSld>
+    <p:spTree>
+      <p:nvGrpSpPr>
+        <p:cNvPr id="1" name=""/>
+        <p:cNvGrpSpPr/>
+        <p:nvPr/>
+      </p:nvGrpSpPr>
+      <p:grpSpPr>
+        <a:xfrm>
+          <a:off x="0" y="0"/>
+          <a:ext cx="0" cy="0"/>
+          <a:chOff x="0" y="0"/>
+          <a:chExt cx="0" cy="0"/>
+        </a:xfrm>
+      </p:grpSpPr>
+      <p:sp>
+        <p:nvSpPr>
+          <p:cNvPr id="2" name="Slide Image Placeholder 1"/>
+          <p:cNvSpPr>
+            <a:spLocks noGrp="1" noRot="1" noChangeAspect="1"/>
+          </p:cNvSpPr>
+          <p:nvPr>
+            <p:ph type="sldImg"/>
+          </p:nvPr>
+        </p:nvSpPr>
+        <p:spPr/>
+      </p:sp>
+      <p:sp>
+        <p:nvSpPr>
+          <p:cNvPr id="3" name="Notes Placeholder 2"/>
+          <p:cNvSpPr>
+            <a:spLocks noGrp="1"/>
+          </p:cNvSpPr>
+          <p:nvPr>
+            <p:ph type="body" idx="1"/>
+          </p:nvPr>
+        </p:nvSpPr>
+        <p:spPr/>
+        <p:txBody>
+          <a:bodyPr/>
+          <a:lstStyle/>
+          <a:p>
+            <a:endParaRPr lang="en-US" dirty="0"/>
+          </a:p>
+        </p:txBody>
+      </p:sp>
+      <p:sp>
+        <p:nvSpPr>
+          <p:cNvPr id="4" name="Slide Number Placeholder 3"/>
+          <p:cNvSpPr>
+            <a:spLocks noGrp="1"/>
+          </p:cNvSpPr>
+          <p:nvPr>
+            <p:ph type="sldNum" sz="quarter" idx="5"/>
+          </p:nvPr>
+        </p:nvSpPr>
+        <p:spPr/>
+        <p:txBody>
+          <a:bodyPr/>
+          <a:lstStyle/>
+          <a:p>
+            <a:fld id="{33D22A2B-4079-3E43-826E-FC5EF2EEBC0C}" type="slidenum">
+              <a:rPr lang="en-US" smtClean="0"/>
+              <a:t>1</a:t>
+            </a:fld>
+            <a:endParaRPr lang="en-US"/>
+          </a:p>
+        </p:txBody>
+      </p:sp>
+    </p:spTree>
+    <p:extLst>
+      <p:ext uri="{BB962C8B-B14F-4D97-AF65-F5344CB8AC3E}">
+        <p14:creationId xmlns:p14="http://schemas.microsoft.com/office/powerpoint/2010/main" val="2510195329"/>
+      </p:ext>
+    </p:extLst>
+  </p:cSld>
+  <p:clrMapOvr>
+    <a:masterClrMapping/>
+  </p:clrMapOvr>
+</p:notes>
+</file>
+
 <file path=ppt/slideLayouts/slideLayout1.xml><?xml version="1.0" encoding="utf-8"?>
 <p:sldLayout xmlns:a="http://schemas.openxmlformats.org/drawingml/2006/main" xmlns:r="http://schemas.openxmlformats.org/officeDocument/2006/relationships" xmlns:p="http://schemas.openxmlformats.org/presentationml/2006/main" type="title" preserve="1">
   <p:cSld name="Title Slide">
@@ -141,8 +577,8 @@
         </p:nvSpPr>
         <p:spPr>
           <a:xfrm>
-            <a:off x="1484948" y="2356703"/>
-            <a:ext cx="16829405" cy="5013407"/>
+            <a:off x="4950024" y="2356703"/>
+            <a:ext cx="29700141" cy="5013407"/>
           </a:xfrm>
         </p:spPr>
         <p:txBody>
@@ -173,8 +609,8 @@
         </p:nvSpPr>
         <p:spPr>
           <a:xfrm>
-            <a:off x="2474913" y="7563446"/>
-            <a:ext cx="14849475" cy="3476717"/>
+            <a:off x="4950024" y="7563446"/>
+            <a:ext cx="29700141" cy="3476717"/>
           </a:xfrm>
         </p:spPr>
         <p:txBody>
@@ -243,7 +679,7 @@
           <a:p>
             <a:fld id="{5C1CEF15-E08A-874F-A9F9-879DB870F7EF}" type="datetimeFigureOut">
               <a:rPr lang="en-US" smtClean="0"/>
-              <a:t>5/22/23</a:t>
+              <a:t>7/10/23</a:t>
             </a:fld>
             <a:endParaRPr lang="en-US"/>
           </a:p>
@@ -294,7 +730,7 @@
     </p:spTree>
     <p:extLst>
       <p:ext uri="{BB962C8B-B14F-4D97-AF65-F5344CB8AC3E}">
-        <p14:creationId xmlns:p14="http://schemas.microsoft.com/office/powerpoint/2010/main" val="2938496338"/>
+        <p14:creationId xmlns:p14="http://schemas.microsoft.com/office/powerpoint/2010/main" val="2928401774"/>
       </p:ext>
     </p:extLst>
   </p:cSld>
@@ -413,7 +849,7 @@
           <a:p>
             <a:fld id="{5C1CEF15-E08A-874F-A9F9-879DB870F7EF}" type="datetimeFigureOut">
               <a:rPr lang="en-US" smtClean="0"/>
-              <a:t>5/22/23</a:t>
+              <a:t>7/10/23</a:t>
             </a:fld>
             <a:endParaRPr lang="en-US"/>
           </a:p>
@@ -464,7 +900,7 @@
     </p:spTree>
     <p:extLst>
       <p:ext uri="{BB962C8B-B14F-4D97-AF65-F5344CB8AC3E}">
-        <p14:creationId xmlns:p14="http://schemas.microsoft.com/office/powerpoint/2010/main" val="1939107148"/>
+        <p14:creationId xmlns:p14="http://schemas.microsoft.com/office/powerpoint/2010/main" val="1011997599"/>
       </p:ext>
     </p:extLst>
   </p:cSld>
@@ -503,8 +939,8 @@
         </p:nvSpPr>
         <p:spPr>
           <a:xfrm>
-            <a:off x="14168875" y="766678"/>
-            <a:ext cx="4269224" cy="12203515"/>
+            <a:off x="28338884" y="766678"/>
+            <a:ext cx="8538791" cy="12203515"/>
           </a:xfrm>
         </p:spPr>
         <p:txBody>
@@ -531,8 +967,8 @@
         </p:nvSpPr>
         <p:spPr>
           <a:xfrm>
-            <a:off x="1361203" y="766678"/>
-            <a:ext cx="12560181" cy="12203515"/>
+            <a:off x="2722513" y="766678"/>
+            <a:ext cx="25121369" cy="12203515"/>
           </a:xfrm>
         </p:spPr>
         <p:txBody>
@@ -593,7 +1029,7 @@
           <a:p>
             <a:fld id="{5C1CEF15-E08A-874F-A9F9-879DB870F7EF}" type="datetimeFigureOut">
               <a:rPr lang="en-US" smtClean="0"/>
-              <a:t>5/22/23</a:t>
+              <a:t>7/10/23</a:t>
             </a:fld>
             <a:endParaRPr lang="en-US"/>
           </a:p>
@@ -644,7 +1080,7 @@
     </p:spTree>
     <p:extLst>
       <p:ext uri="{BB962C8B-B14F-4D97-AF65-F5344CB8AC3E}">
-        <p14:creationId xmlns:p14="http://schemas.microsoft.com/office/powerpoint/2010/main" val="1812430851"/>
+        <p14:creationId xmlns:p14="http://schemas.microsoft.com/office/powerpoint/2010/main" val="4021745219"/>
       </p:ext>
     </p:extLst>
   </p:cSld>
@@ -763,7 +1199,7 @@
           <a:p>
             <a:fld id="{5C1CEF15-E08A-874F-A9F9-879DB870F7EF}" type="datetimeFigureOut">
               <a:rPr lang="en-US" smtClean="0"/>
-              <a:t>5/22/23</a:t>
+              <a:t>7/10/23</a:t>
             </a:fld>
             <a:endParaRPr lang="en-US"/>
           </a:p>
@@ -814,7 +1250,7 @@
     </p:spTree>
     <p:extLst>
       <p:ext uri="{BB962C8B-B14F-4D97-AF65-F5344CB8AC3E}">
-        <p14:creationId xmlns:p14="http://schemas.microsoft.com/office/powerpoint/2010/main" val="1382801616"/>
+        <p14:creationId xmlns:p14="http://schemas.microsoft.com/office/powerpoint/2010/main" val="21623074"/>
       </p:ext>
     </p:extLst>
   </p:cSld>
@@ -853,8 +1289,8 @@
         </p:nvSpPr>
         <p:spPr>
           <a:xfrm>
-            <a:off x="1350891" y="3590057"/>
-            <a:ext cx="17076896" cy="5990088"/>
+            <a:off x="2701888" y="3590055"/>
+            <a:ext cx="34155162" cy="5990088"/>
           </a:xfrm>
         </p:spPr>
         <p:txBody>
@@ -885,8 +1321,8 @@
         </p:nvSpPr>
         <p:spPr>
           <a:xfrm>
-            <a:off x="1350891" y="9636813"/>
-            <a:ext cx="17076896" cy="3150046"/>
+            <a:off x="2701888" y="9636811"/>
+            <a:ext cx="34155162" cy="3150046"/>
           </a:xfrm>
         </p:spPr>
         <p:txBody>
@@ -896,7 +1332,9 @@
               <a:buNone/>
               <a:defRPr sz="5040">
                 <a:solidFill>
-                  <a:schemeClr val="tx1"/>
+                  <a:schemeClr val="tx1">
+                    <a:tint val="75000"/>
+                  </a:schemeClr>
                 </a:solidFill>
               </a:defRPr>
             </a:lvl1pPr>
@@ -1007,7 +1445,7 @@
           <a:p>
             <a:fld id="{5C1CEF15-E08A-874F-A9F9-879DB870F7EF}" type="datetimeFigureOut">
               <a:rPr lang="en-US" smtClean="0"/>
-              <a:t>5/22/23</a:t>
+              <a:t>7/10/23</a:t>
             </a:fld>
             <a:endParaRPr lang="en-US"/>
           </a:p>
@@ -1058,7 +1496,7 @@
     </p:spTree>
     <p:extLst>
       <p:ext uri="{BB962C8B-B14F-4D97-AF65-F5344CB8AC3E}">
-        <p14:creationId xmlns:p14="http://schemas.microsoft.com/office/powerpoint/2010/main" val="765127779"/>
+        <p14:creationId xmlns:p14="http://schemas.microsoft.com/office/powerpoint/2010/main" val="11921293"/>
       </p:ext>
     </p:extLst>
   </p:cSld>
@@ -1120,8 +1558,8 @@
         </p:nvSpPr>
         <p:spPr>
           <a:xfrm>
-            <a:off x="1361202" y="3833390"/>
-            <a:ext cx="8414703" cy="9136803"/>
+            <a:off x="2722513" y="3833390"/>
+            <a:ext cx="16830080" cy="9136803"/>
           </a:xfrm>
         </p:spPr>
         <p:txBody>
@@ -1177,8 +1615,8 @@
         </p:nvSpPr>
         <p:spPr>
           <a:xfrm>
-            <a:off x="10023395" y="3833390"/>
-            <a:ext cx="8414703" cy="9136803"/>
+            <a:off x="20047595" y="3833390"/>
+            <a:ext cx="16830080" cy="9136803"/>
           </a:xfrm>
         </p:spPr>
         <p:txBody>
@@ -1239,7 +1677,7 @@
           <a:p>
             <a:fld id="{5C1CEF15-E08A-874F-A9F9-879DB870F7EF}" type="datetimeFigureOut">
               <a:rPr lang="en-US" smtClean="0"/>
-              <a:t>5/22/23</a:t>
+              <a:t>7/10/23</a:t>
             </a:fld>
             <a:endParaRPr lang="en-US"/>
           </a:p>
@@ -1290,7 +1728,7 @@
     </p:spTree>
     <p:extLst>
       <p:ext uri="{BB962C8B-B14F-4D97-AF65-F5344CB8AC3E}">
-        <p14:creationId xmlns:p14="http://schemas.microsoft.com/office/powerpoint/2010/main" val="2406192477"/>
+        <p14:creationId xmlns:p14="http://schemas.microsoft.com/office/powerpoint/2010/main" val="3874374656"/>
       </p:ext>
     </p:extLst>
   </p:cSld>
@@ -1329,8 +1767,8 @@
         </p:nvSpPr>
         <p:spPr>
           <a:xfrm>
-            <a:off x="1363781" y="766681"/>
-            <a:ext cx="17076896" cy="2783376"/>
+            <a:off x="2727671" y="766679"/>
+            <a:ext cx="34155162" cy="2783376"/>
           </a:xfrm>
         </p:spPr>
         <p:txBody>
@@ -1357,8 +1795,8 @@
         </p:nvSpPr>
         <p:spPr>
           <a:xfrm>
-            <a:off x="1363783" y="3530053"/>
-            <a:ext cx="8376031" cy="1730025"/>
+            <a:off x="2727673" y="3530053"/>
+            <a:ext cx="16752734" cy="1730025"/>
           </a:xfrm>
         </p:spPr>
         <p:txBody>
@@ -1422,8 +1860,8 @@
         </p:nvSpPr>
         <p:spPr>
           <a:xfrm>
-            <a:off x="1363783" y="5260078"/>
-            <a:ext cx="8376031" cy="7736782"/>
+            <a:off x="2727673" y="5260078"/>
+            <a:ext cx="16752734" cy="7736782"/>
           </a:xfrm>
         </p:spPr>
         <p:txBody>
@@ -1479,8 +1917,8 @@
         </p:nvSpPr>
         <p:spPr>
           <a:xfrm>
-            <a:off x="10023397" y="3530053"/>
-            <a:ext cx="8417281" cy="1730025"/>
+            <a:off x="20047595" y="3530053"/>
+            <a:ext cx="16835238" cy="1730025"/>
           </a:xfrm>
         </p:spPr>
         <p:txBody>
@@ -1544,8 +1982,8 @@
         </p:nvSpPr>
         <p:spPr>
           <a:xfrm>
-            <a:off x="10023397" y="5260078"/>
-            <a:ext cx="8417281" cy="7736782"/>
+            <a:off x="20047595" y="5260078"/>
+            <a:ext cx="16835238" cy="7736782"/>
           </a:xfrm>
         </p:spPr>
         <p:txBody>
@@ -1606,7 +2044,7 @@
           <a:p>
             <a:fld id="{5C1CEF15-E08A-874F-A9F9-879DB870F7EF}" type="datetimeFigureOut">
               <a:rPr lang="en-US" smtClean="0"/>
-              <a:t>5/22/23</a:t>
+              <a:t>7/10/23</a:t>
             </a:fld>
             <a:endParaRPr lang="en-US"/>
           </a:p>
@@ -1657,7 +2095,7 @@
     </p:spTree>
     <p:extLst>
       <p:ext uri="{BB962C8B-B14F-4D97-AF65-F5344CB8AC3E}">
-        <p14:creationId xmlns:p14="http://schemas.microsoft.com/office/powerpoint/2010/main" val="3078130787"/>
+        <p14:creationId xmlns:p14="http://schemas.microsoft.com/office/powerpoint/2010/main" val="3318238114"/>
       </p:ext>
     </p:extLst>
   </p:cSld>
@@ -1724,7 +2162,7 @@
           <a:p>
             <a:fld id="{5C1CEF15-E08A-874F-A9F9-879DB870F7EF}" type="datetimeFigureOut">
               <a:rPr lang="en-US" smtClean="0"/>
-              <a:t>5/22/23</a:t>
+              <a:t>7/10/23</a:t>
             </a:fld>
             <a:endParaRPr lang="en-US"/>
           </a:p>
@@ -1775,7 +2213,7 @@
     </p:spTree>
     <p:extLst>
       <p:ext uri="{BB962C8B-B14F-4D97-AF65-F5344CB8AC3E}">
-        <p14:creationId xmlns:p14="http://schemas.microsoft.com/office/powerpoint/2010/main" val="2728621680"/>
+        <p14:creationId xmlns:p14="http://schemas.microsoft.com/office/powerpoint/2010/main" val="685906108"/>
       </p:ext>
     </p:extLst>
   </p:cSld>
@@ -1819,7 +2257,7 @@
           <a:p>
             <a:fld id="{5C1CEF15-E08A-874F-A9F9-879DB870F7EF}" type="datetimeFigureOut">
               <a:rPr lang="en-US" smtClean="0"/>
-              <a:t>5/22/23</a:t>
+              <a:t>7/10/23</a:t>
             </a:fld>
             <a:endParaRPr lang="en-US"/>
           </a:p>
@@ -1870,7 +2308,7 @@
     </p:spTree>
     <p:extLst>
       <p:ext uri="{BB962C8B-B14F-4D97-AF65-F5344CB8AC3E}">
-        <p14:creationId xmlns:p14="http://schemas.microsoft.com/office/powerpoint/2010/main" val="4675042"/>
+        <p14:creationId xmlns:p14="http://schemas.microsoft.com/office/powerpoint/2010/main" val="2817064114"/>
       </p:ext>
     </p:extLst>
   </p:cSld>
@@ -1909,8 +2347,8 @@
         </p:nvSpPr>
         <p:spPr>
           <a:xfrm>
-            <a:off x="1363781" y="960014"/>
-            <a:ext cx="6385790" cy="3360050"/>
+            <a:off x="2727673" y="960014"/>
+            <a:ext cx="12772090" cy="3360050"/>
           </a:xfrm>
         </p:spPr>
         <p:txBody>
@@ -1941,8 +2379,8 @@
         </p:nvSpPr>
         <p:spPr>
           <a:xfrm>
-            <a:off x="8417281" y="2073367"/>
-            <a:ext cx="10023396" cy="10233485"/>
+            <a:off x="16835238" y="2073365"/>
+            <a:ext cx="20047595" cy="10233485"/>
           </a:xfrm>
         </p:spPr>
         <p:txBody>
@@ -2026,8 +2464,8 @@
         </p:nvSpPr>
         <p:spPr>
           <a:xfrm>
-            <a:off x="1363781" y="4320064"/>
-            <a:ext cx="6385790" cy="8003453"/>
+            <a:off x="2727673" y="4320064"/>
+            <a:ext cx="12772090" cy="8003453"/>
           </a:xfrm>
         </p:spPr>
         <p:txBody>
@@ -2096,7 +2534,7 @@
           <a:p>
             <a:fld id="{5C1CEF15-E08A-874F-A9F9-879DB870F7EF}" type="datetimeFigureOut">
               <a:rPr lang="en-US" smtClean="0"/>
-              <a:t>5/22/23</a:t>
+              <a:t>7/10/23</a:t>
             </a:fld>
             <a:endParaRPr lang="en-US"/>
           </a:p>
@@ -2147,7 +2585,7 @@
     </p:spTree>
     <p:extLst>
       <p:ext uri="{BB962C8B-B14F-4D97-AF65-F5344CB8AC3E}">
-        <p14:creationId xmlns:p14="http://schemas.microsoft.com/office/powerpoint/2010/main" val="744227738"/>
+        <p14:creationId xmlns:p14="http://schemas.microsoft.com/office/powerpoint/2010/main" val="1508340267"/>
       </p:ext>
     </p:extLst>
   </p:cSld>
@@ -2186,8 +2624,8 @@
         </p:nvSpPr>
         <p:spPr>
           <a:xfrm>
-            <a:off x="1363781" y="960014"/>
-            <a:ext cx="6385790" cy="3360050"/>
+            <a:off x="2727673" y="960014"/>
+            <a:ext cx="12772090" cy="3360050"/>
           </a:xfrm>
         </p:spPr>
         <p:txBody>
@@ -2218,8 +2656,8 @@
         </p:nvSpPr>
         <p:spPr>
           <a:xfrm>
-            <a:off x="8417281" y="2073367"/>
-            <a:ext cx="10023396" cy="10233485"/>
+            <a:off x="16835238" y="2073365"/>
+            <a:ext cx="20047595" cy="10233485"/>
           </a:xfrm>
         </p:spPr>
         <p:txBody>
@@ -2283,8 +2721,8 @@
         </p:nvSpPr>
         <p:spPr>
           <a:xfrm>
-            <a:off x="1363781" y="4320064"/>
-            <a:ext cx="6385790" cy="8003453"/>
+            <a:off x="2727673" y="4320064"/>
+            <a:ext cx="12772090" cy="8003453"/>
           </a:xfrm>
         </p:spPr>
         <p:txBody>
@@ -2353,7 +2791,7 @@
           <a:p>
             <a:fld id="{5C1CEF15-E08A-874F-A9F9-879DB870F7EF}" type="datetimeFigureOut">
               <a:rPr lang="en-US" smtClean="0"/>
-              <a:t>5/22/23</a:t>
+              <a:t>7/10/23</a:t>
             </a:fld>
             <a:endParaRPr lang="en-US"/>
           </a:p>
@@ -2404,7 +2842,7 @@
     </p:spTree>
     <p:extLst>
       <p:ext uri="{BB962C8B-B14F-4D97-AF65-F5344CB8AC3E}">
-        <p14:creationId xmlns:p14="http://schemas.microsoft.com/office/powerpoint/2010/main" val="267401003"/>
+        <p14:creationId xmlns:p14="http://schemas.microsoft.com/office/powerpoint/2010/main" val="2800535260"/>
       </p:ext>
     </p:extLst>
   </p:cSld>
@@ -2448,8 +2886,8 @@
         </p:nvSpPr>
         <p:spPr>
           <a:xfrm>
-            <a:off x="1361202" y="766681"/>
-            <a:ext cx="17076896" cy="2783376"/>
+            <a:off x="2722513" y="766679"/>
+            <a:ext cx="34155162" cy="2783376"/>
           </a:xfrm>
           <a:prstGeom prst="rect">
             <a:avLst/>
@@ -2481,8 +2919,8 @@
         </p:nvSpPr>
         <p:spPr>
           <a:xfrm>
-            <a:off x="1361202" y="3833390"/>
-            <a:ext cx="17076896" cy="9136803"/>
+            <a:off x="2722513" y="3833390"/>
+            <a:ext cx="34155162" cy="9136803"/>
           </a:xfrm>
           <a:prstGeom prst="rect">
             <a:avLst/>
@@ -2543,8 +2981,8 @@
         </p:nvSpPr>
         <p:spPr>
           <a:xfrm>
-            <a:off x="1361202" y="13346867"/>
-            <a:ext cx="4454843" cy="766678"/>
+            <a:off x="2722513" y="13346865"/>
+            <a:ext cx="8910042" cy="766678"/>
           </a:xfrm>
           <a:prstGeom prst="rect">
             <a:avLst/>
@@ -2566,7 +3004,7 @@
           <a:p>
             <a:fld id="{5C1CEF15-E08A-874F-A9F9-879DB870F7EF}" type="datetimeFigureOut">
               <a:rPr lang="en-US" smtClean="0"/>
-              <a:t>5/22/23</a:t>
+              <a:t>7/10/23</a:t>
             </a:fld>
             <a:endParaRPr lang="en-US"/>
           </a:p>
@@ -2584,8 +3022,8 @@
         </p:nvSpPr>
         <p:spPr>
           <a:xfrm>
-            <a:off x="6558518" y="13346867"/>
-            <a:ext cx="6682264" cy="766678"/>
+            <a:off x="13117563" y="13346865"/>
+            <a:ext cx="13365063" cy="766678"/>
           </a:xfrm>
           <a:prstGeom prst="rect">
             <a:avLst/>
@@ -2621,8 +3059,8 @@
         </p:nvSpPr>
         <p:spPr>
           <a:xfrm>
-            <a:off x="13983255" y="13346867"/>
-            <a:ext cx="4454843" cy="766678"/>
+            <a:off x="27967633" y="13346865"/>
+            <a:ext cx="8910042" cy="766678"/>
           </a:xfrm>
           <a:prstGeom prst="rect">
             <a:avLst/>
@@ -2653,23 +3091,23 @@
     </p:spTree>
     <p:extLst>
       <p:ext uri="{BB962C8B-B14F-4D97-AF65-F5344CB8AC3E}">
-        <p14:creationId xmlns:p14="http://schemas.microsoft.com/office/powerpoint/2010/main" val="3982189434"/>
+        <p14:creationId xmlns:p14="http://schemas.microsoft.com/office/powerpoint/2010/main" val="702339781"/>
       </p:ext>
     </p:extLst>
   </p:cSld>
   <p:clrMap bg1="lt1" tx1="dk1" bg2="lt2" tx2="dk2" accent1="accent1" accent2="accent2" accent3="accent3" accent4="accent4" accent5="accent5" accent6="accent6" hlink="hlink" folHlink="folHlink"/>
   <p:sldLayoutIdLst>
-    <p:sldLayoutId id="2147483661" r:id="rId1"/>
-    <p:sldLayoutId id="2147483662" r:id="rId2"/>
-    <p:sldLayoutId id="2147483663" r:id="rId3"/>
-    <p:sldLayoutId id="2147483664" r:id="rId4"/>
-    <p:sldLayoutId id="2147483665" r:id="rId5"/>
-    <p:sldLayoutId id="2147483666" r:id="rId6"/>
-    <p:sldLayoutId id="2147483667" r:id="rId7"/>
-    <p:sldLayoutId id="2147483668" r:id="rId8"/>
-    <p:sldLayoutId id="2147483669" r:id="rId9"/>
-    <p:sldLayoutId id="2147483670" r:id="rId10"/>
-    <p:sldLayoutId id="2147483671" r:id="rId11"/>
+    <p:sldLayoutId id="2147483673" r:id="rId1"/>
+    <p:sldLayoutId id="2147483674" r:id="rId2"/>
+    <p:sldLayoutId id="2147483675" r:id="rId3"/>
+    <p:sldLayoutId id="2147483676" r:id="rId4"/>
+    <p:sldLayoutId id="2147483677" r:id="rId5"/>
+    <p:sldLayoutId id="2147483678" r:id="rId6"/>
+    <p:sldLayoutId id="2147483679" r:id="rId7"/>
+    <p:sldLayoutId id="2147483680" r:id="rId8"/>
+    <p:sldLayoutId id="2147483681" r:id="rId9"/>
+    <p:sldLayoutId id="2147483682" r:id="rId10"/>
+    <p:sldLayoutId id="2147483683" r:id="rId11"/>
   </p:sldLayoutIdLst>
   <p:txStyles>
     <p:titleStyle>
@@ -2973,10 +3411,10 @@
       </p:grpSpPr>
       <p:pic>
         <p:nvPicPr>
-          <p:cNvPr id="5" name="Picture 4" descr="A picture containing text, screenshot, line, diagram&#10;&#10;Description automatically generated">
+          <p:cNvPr id="6" name="Picture 5" descr="A graph of a graph&#10;&#10;Description automatically generated">
             <a:extLst>
               <a:ext uri="{FF2B5EF4-FFF2-40B4-BE49-F238E27FC236}">
-                <a16:creationId xmlns:a16="http://schemas.microsoft.com/office/drawing/2014/main" id="{7C300D98-C28D-B25A-752D-6AA4B5CFB87F}"/>
+                <a16:creationId xmlns:a16="http://schemas.microsoft.com/office/drawing/2014/main" id="{26A1B551-F437-6A81-579D-63B6050A5EC7}"/>
               </a:ext>
             </a:extLst>
           </p:cNvPr>
@@ -2986,15 +3424,15 @@
           <p:nvPr/>
         </p:nvPicPr>
         <p:blipFill>
-          <a:blip r:embed="rId2"/>
+          <a:blip r:embed="rId3"/>
           <a:stretch>
             <a:fillRect/>
           </a:stretch>
         </p:blipFill>
         <p:spPr>
           <a:xfrm>
-            <a:off x="-1" y="-1"/>
-            <a:ext cx="19800293" cy="14400213"/>
+            <a:off x="0" y="0"/>
+            <a:ext cx="19436508" cy="14135642"/>
           </a:xfrm>
           <a:prstGeom prst="rect">
             <a:avLst/>
@@ -3073,7 +3511,7 @@
         </p:nvSpPr>
         <p:spPr>
           <a:xfrm>
-            <a:off x="16664868" y="5247868"/>
+            <a:off x="16664868" y="5247869"/>
             <a:ext cx="1588864" cy="1168121"/>
           </a:xfrm>
           <a:prstGeom prst="ellipse">
@@ -3132,7 +3570,7 @@
           <p:nvPr/>
         </p:nvPicPr>
         <p:blipFill>
-          <a:blip r:embed="rId3"/>
+          <a:blip r:embed="rId4"/>
           <a:stretch>
             <a:fillRect/>
           </a:stretch>
@@ -3161,7 +3599,7 @@
         </p:nvSpPr>
         <p:spPr>
           <a:xfrm>
-            <a:off x="17285101" y="445495"/>
+            <a:off x="17285101" y="445496"/>
             <a:ext cx="1588864" cy="1168121"/>
           </a:xfrm>
           <a:prstGeom prst="ellipse">
@@ -3219,7 +3657,7 @@
         </p:nvSpPr>
         <p:spPr>
           <a:xfrm>
-            <a:off x="12161731" y="9538883"/>
+            <a:off x="12161731" y="9538884"/>
             <a:ext cx="1229824" cy="1169551"/>
           </a:xfrm>
           <a:prstGeom prst="rect">
@@ -3257,7 +3695,7 @@
         </p:nvSpPr>
         <p:spPr>
           <a:xfrm>
-            <a:off x="5171631" y="4305202"/>
+            <a:off x="5171631" y="4305203"/>
             <a:ext cx="683200" cy="1169551"/>
           </a:xfrm>
           <a:prstGeom prst="rect">
@@ -3295,7 +3733,7 @@
         </p:nvSpPr>
         <p:spPr>
           <a:xfrm>
-            <a:off x="17939540" y="5857309"/>
+            <a:off x="17939541" y="5857310"/>
             <a:ext cx="633507" cy="1169551"/>
           </a:xfrm>
           <a:prstGeom prst="rect">
@@ -3333,7 +3771,7 @@
         </p:nvSpPr>
         <p:spPr>
           <a:xfrm>
-            <a:off x="16664246" y="584775"/>
+            <a:off x="16664246" y="584776"/>
             <a:ext cx="683200" cy="1169551"/>
           </a:xfrm>
           <a:prstGeom prst="rect">
@@ -3363,74 +3801,6 @@
             <a:extLst>
               <a:ext uri="{FF2B5EF4-FFF2-40B4-BE49-F238E27FC236}">
                 <a16:creationId xmlns:a16="http://schemas.microsoft.com/office/drawing/2014/main" id="{7F9F8F95-964B-F83E-DA8B-25C67A826135}"/>
-              </a:ext>
-            </a:extLst>
-          </p:cNvPr>
-          <p:cNvPicPr>
-            <a:picLocks noChangeAspect="1"/>
-          </p:cNvPicPr>
-          <p:nvPr/>
-        </p:nvPicPr>
-        <p:blipFill>
-          <a:blip r:embed="rId4"/>
-          <a:stretch>
-            <a:fillRect/>
-          </a:stretch>
-        </p:blipFill>
-        <p:spPr>
-          <a:xfrm>
-            <a:off x="4206449" y="7738884"/>
-            <a:ext cx="4842477" cy="3600000"/>
-          </a:xfrm>
-          <a:prstGeom prst="rect">
-            <a:avLst/>
-          </a:prstGeom>
-        </p:spPr>
-      </p:pic>
-      <p:sp>
-        <p:nvSpPr>
-          <p:cNvPr id="31" name="TextBox 30">
-            <a:extLst>
-              <a:ext uri="{FF2B5EF4-FFF2-40B4-BE49-F238E27FC236}">
-                <a16:creationId xmlns:a16="http://schemas.microsoft.com/office/drawing/2014/main" id="{2B9A8DD4-1813-2F1D-411C-001035AB1DEF}"/>
-              </a:ext>
-            </a:extLst>
-          </p:cNvPr>
-          <p:cNvSpPr txBox="1"/>
-          <p:nvPr/>
-        </p:nvSpPr>
-        <p:spPr>
-          <a:xfrm>
-            <a:off x="7624356" y="9538884"/>
-            <a:ext cx="1279517" cy="1169551"/>
-          </a:xfrm>
-          <a:prstGeom prst="rect">
-            <a:avLst/>
-          </a:prstGeom>
-          <a:noFill/>
-        </p:spPr>
-        <p:txBody>
-          <a:bodyPr wrap="none" rtlCol="0">
-            <a:spAutoFit/>
-          </a:bodyPr>
-          <a:lstStyle/>
-          <a:p>
-            <a:r>
-              <a:rPr lang="en-US" sz="7000" dirty="0">
-                <a:latin typeface="Arial" panose="020B0604020202020204" pitchFamily="34" charset="0"/>
-                <a:cs typeface="Arial" panose="020B0604020202020204" pitchFamily="34" charset="0"/>
-              </a:rPr>
-              <a:t>(b)</a:t>
-            </a:r>
-          </a:p>
-        </p:txBody>
-      </p:sp>
-      <p:pic>
-        <p:nvPicPr>
-          <p:cNvPr id="7" name="Picture 6" descr="A picture containing line, diagram, text, plot&#10;&#10;Description automatically generated">
-            <a:extLst>
-              <a:ext uri="{FF2B5EF4-FFF2-40B4-BE49-F238E27FC236}">
-                <a16:creationId xmlns:a16="http://schemas.microsoft.com/office/drawing/2014/main" id="{E163C2E6-26C8-DDD6-355A-AF446D9613EC}"/>
               </a:ext>
             </a:extLst>
           </p:cNvPr>
@@ -3447,8 +3817,8 @@
         </p:blipFill>
         <p:spPr>
           <a:xfrm>
-            <a:off x="13391555" y="7738884"/>
-            <a:ext cx="4676923" cy="3600000"/>
+            <a:off x="4206450" y="7738884"/>
+            <a:ext cx="4842477" cy="3600000"/>
           </a:xfrm>
           <a:prstGeom prst="rect">
             <a:avLst/>
@@ -3457,10 +3827,10 @@
       </p:pic>
       <p:sp>
         <p:nvSpPr>
-          <p:cNvPr id="33" name="TextBox 32">
+          <p:cNvPr id="31" name="TextBox 30">
             <a:extLst>
               <a:ext uri="{FF2B5EF4-FFF2-40B4-BE49-F238E27FC236}">
-                <a16:creationId xmlns:a16="http://schemas.microsoft.com/office/drawing/2014/main" id="{54A1541A-D981-ECF6-B1FB-E7AE5720BFA2}"/>
+                <a16:creationId xmlns:a16="http://schemas.microsoft.com/office/drawing/2014/main" id="{2B9A8DD4-1813-2F1D-411C-001035AB1DEF}"/>
               </a:ext>
             </a:extLst>
           </p:cNvPr>
@@ -3469,7 +3839,7 @@
         </p:nvSpPr>
         <p:spPr>
           <a:xfrm>
-            <a:off x="16641331" y="9538882"/>
+            <a:off x="7624357" y="9538885"/>
             <a:ext cx="1279517" cy="1169551"/>
           </a:xfrm>
           <a:prstGeom prst="rect">
@@ -3488,17 +3858,17 @@
                 <a:latin typeface="Arial" panose="020B0604020202020204" pitchFamily="34" charset="0"/>
                 <a:cs typeface="Arial" panose="020B0604020202020204" pitchFamily="34" charset="0"/>
               </a:rPr>
-              <a:t>(d)</a:t>
+              <a:t>(b)</a:t>
             </a:r>
           </a:p>
         </p:txBody>
       </p:sp>
       <p:pic>
         <p:nvPicPr>
-          <p:cNvPr id="13" name="Picture 12" descr="A picture containing white, design&#10;&#10;Description automatically generated">
+          <p:cNvPr id="7" name="Picture 6" descr="A picture containing line, diagram, text, plot&#10;&#10;Description automatically generated">
             <a:extLst>
               <a:ext uri="{FF2B5EF4-FFF2-40B4-BE49-F238E27FC236}">
-                <a16:creationId xmlns:a16="http://schemas.microsoft.com/office/drawing/2014/main" id="{93EA34F8-760D-C83E-7A30-F69E67C5CF5B}"/>
+                <a16:creationId xmlns:a16="http://schemas.microsoft.com/office/drawing/2014/main" id="{E163C2E6-26C8-DDD6-355A-AF446D9613EC}"/>
               </a:ext>
             </a:extLst>
           </p:cNvPr>
@@ -3515,8 +3885,8 @@
         </p:blipFill>
         <p:spPr>
           <a:xfrm>
-            <a:off x="2896159" y="627896"/>
-            <a:ext cx="5955443" cy="3677306"/>
+            <a:off x="13391556" y="7738884"/>
+            <a:ext cx="4676923" cy="3600000"/>
           </a:xfrm>
           <a:prstGeom prst="rect">
             <a:avLst/>
@@ -3525,10 +3895,10 @@
       </p:pic>
       <p:sp>
         <p:nvSpPr>
-          <p:cNvPr id="30" name="TextBox 29">
+          <p:cNvPr id="33" name="TextBox 32">
             <a:extLst>
               <a:ext uri="{FF2B5EF4-FFF2-40B4-BE49-F238E27FC236}">
-                <a16:creationId xmlns:a16="http://schemas.microsoft.com/office/drawing/2014/main" id="{BA1CBD44-A1B9-7C34-F832-E27BEB4F91DD}"/>
+                <a16:creationId xmlns:a16="http://schemas.microsoft.com/office/drawing/2014/main" id="{54A1541A-D981-ECF6-B1FB-E7AE5720BFA2}"/>
               </a:ext>
             </a:extLst>
           </p:cNvPr>
@@ -3537,7 +3907,7 @@
         </p:nvSpPr>
         <p:spPr>
           <a:xfrm>
-            <a:off x="3003556" y="368268"/>
+            <a:off x="16641332" y="9538883"/>
             <a:ext cx="1279517" cy="1169551"/>
           </a:xfrm>
           <a:prstGeom prst="rect">
@@ -3546,7 +3916,7 @@
           <a:noFill/>
         </p:spPr>
         <p:txBody>
-          <a:bodyPr wrap="square" rtlCol="0">
+          <a:bodyPr wrap="none" rtlCol="0">
             <a:spAutoFit/>
           </a:bodyPr>
           <a:lstStyle/>
@@ -3556,17 +3926,17 @@
                 <a:latin typeface="Arial" panose="020B0604020202020204" pitchFamily="34" charset="0"/>
                 <a:cs typeface="Arial" panose="020B0604020202020204" pitchFamily="34" charset="0"/>
               </a:rPr>
-              <a:t>(a)</a:t>
+              <a:t>(d)</a:t>
             </a:r>
           </a:p>
         </p:txBody>
       </p:sp>
       <p:pic>
         <p:nvPicPr>
-          <p:cNvPr id="10" name="Picture 9" descr="A picture containing text, font, screenshot, diagram&#10;&#10;Description automatically generated">
+          <p:cNvPr id="13" name="Picture 12" descr="A picture containing white, design&#10;&#10;Description automatically generated">
             <a:extLst>
               <a:ext uri="{FF2B5EF4-FFF2-40B4-BE49-F238E27FC236}">
-                <a16:creationId xmlns:a16="http://schemas.microsoft.com/office/drawing/2014/main" id="{C9310C6D-51BC-4D6E-A173-7495F6A89C10}"/>
+                <a16:creationId xmlns:a16="http://schemas.microsoft.com/office/drawing/2014/main" id="{93EA34F8-760D-C83E-7A30-F69E67C5CF5B}"/>
               </a:ext>
             </a:extLst>
           </p:cNvPr>
@@ -3583,14 +3953,229 @@
         </p:blipFill>
         <p:spPr>
           <a:xfrm>
-            <a:off x="7621464" y="627896"/>
-            <a:ext cx="4913122" cy="3677306"/>
+            <a:off x="2896160" y="627896"/>
+            <a:ext cx="5955443" cy="3677306"/>
           </a:xfrm>
           <a:prstGeom prst="rect">
             <a:avLst/>
           </a:prstGeom>
         </p:spPr>
       </p:pic>
+      <p:sp>
+        <p:nvSpPr>
+          <p:cNvPr id="30" name="TextBox 29">
+            <a:extLst>
+              <a:ext uri="{FF2B5EF4-FFF2-40B4-BE49-F238E27FC236}">
+                <a16:creationId xmlns:a16="http://schemas.microsoft.com/office/drawing/2014/main" id="{BA1CBD44-A1B9-7C34-F832-E27BEB4F91DD}"/>
+              </a:ext>
+            </a:extLst>
+          </p:cNvPr>
+          <p:cNvSpPr txBox="1"/>
+          <p:nvPr/>
+        </p:nvSpPr>
+        <p:spPr>
+          <a:xfrm>
+            <a:off x="3003557" y="368269"/>
+            <a:ext cx="1279517" cy="1169551"/>
+          </a:xfrm>
+          <a:prstGeom prst="rect">
+            <a:avLst/>
+          </a:prstGeom>
+          <a:noFill/>
+        </p:spPr>
+        <p:txBody>
+          <a:bodyPr wrap="square" rtlCol="0">
+            <a:spAutoFit/>
+          </a:bodyPr>
+          <a:lstStyle/>
+          <a:p>
+            <a:r>
+              <a:rPr lang="en-US" sz="7000" dirty="0">
+                <a:latin typeface="Arial" panose="020B0604020202020204" pitchFamily="34" charset="0"/>
+                <a:cs typeface="Arial" panose="020B0604020202020204" pitchFamily="34" charset="0"/>
+              </a:rPr>
+              <a:t>(a)</a:t>
+            </a:r>
+          </a:p>
+        </p:txBody>
+      </p:sp>
+      <p:pic>
+        <p:nvPicPr>
+          <p:cNvPr id="11" name="Picture 10" descr="A line of different colored lines&#10;&#10;Description automatically generated">
+            <a:extLst>
+              <a:ext uri="{FF2B5EF4-FFF2-40B4-BE49-F238E27FC236}">
+                <a16:creationId xmlns:a16="http://schemas.microsoft.com/office/drawing/2014/main" id="{2FBC3B3C-69D8-738E-E5A2-BF6B1E2C8078}"/>
+              </a:ext>
+            </a:extLst>
+          </p:cNvPr>
+          <p:cNvPicPr>
+            <a:picLocks noChangeAspect="1"/>
+          </p:cNvPicPr>
+          <p:nvPr/>
+        </p:nvPicPr>
+        <p:blipFill>
+          <a:blip r:embed="rId8"/>
+          <a:stretch>
+            <a:fillRect/>
+          </a:stretch>
+        </p:blipFill>
+        <p:spPr>
+          <a:xfrm>
+            <a:off x="5256058" y="674767"/>
+            <a:ext cx="4216400" cy="3175000"/>
+          </a:xfrm>
+          <a:prstGeom prst="rect">
+            <a:avLst/>
+          </a:prstGeom>
+        </p:spPr>
+      </p:pic>
+      <p:grpSp>
+        <p:nvGrpSpPr>
+          <p:cNvPr id="16" name="Group 15">
+            <a:extLst>
+              <a:ext uri="{FF2B5EF4-FFF2-40B4-BE49-F238E27FC236}">
+                <a16:creationId xmlns:a16="http://schemas.microsoft.com/office/drawing/2014/main" id="{9BB05CCC-D0CB-1AD4-480D-7C3033047940}"/>
+              </a:ext>
+            </a:extLst>
+          </p:cNvPr>
+          <p:cNvGrpSpPr/>
+          <p:nvPr/>
+        </p:nvGrpSpPr>
+        <p:grpSpPr>
+          <a:xfrm>
+            <a:off x="19661640" y="119931"/>
+            <a:ext cx="19800292" cy="14001941"/>
+            <a:chOff x="19661640" y="413844"/>
+            <a:chExt cx="19800292" cy="14001941"/>
+          </a:xfrm>
+        </p:grpSpPr>
+        <p:pic>
+          <p:nvPicPr>
+            <p:cNvPr id="3" name="Picture 2" descr="A graph of a graph of a work&#10;&#10;Description automatically generated">
+              <a:extLst>
+                <a:ext uri="{FF2B5EF4-FFF2-40B4-BE49-F238E27FC236}">
+                  <a16:creationId xmlns:a16="http://schemas.microsoft.com/office/drawing/2014/main" id="{E381CAE4-394F-2871-DCA0-A8F2DA76EFCB}"/>
+                </a:ext>
+              </a:extLst>
+            </p:cNvPr>
+            <p:cNvPicPr>
+              <a:picLocks noChangeAspect="1"/>
+            </p:cNvPicPr>
+            <p:nvPr/>
+          </p:nvPicPr>
+          <p:blipFill rotWithShape="1">
+            <a:blip r:embed="rId9"/>
+            <a:srcRect t="945"/>
+            <a:stretch/>
+          </p:blipFill>
+          <p:spPr>
+            <a:xfrm>
+              <a:off x="19661640" y="413844"/>
+              <a:ext cx="19800292" cy="14001941"/>
+            </a:xfrm>
+            <a:prstGeom prst="rect">
+              <a:avLst/>
+            </a:prstGeom>
+          </p:spPr>
+        </p:pic>
+        <p:pic>
+          <p:nvPicPr>
+            <p:cNvPr id="14" name="Picture 13" descr="A picture containing white, design&#10;&#10;Description automatically generated">
+              <a:extLst>
+                <a:ext uri="{FF2B5EF4-FFF2-40B4-BE49-F238E27FC236}">
+                  <a16:creationId xmlns:a16="http://schemas.microsoft.com/office/drawing/2014/main" id="{187B5A53-57E1-048E-475F-48212C2DDFDF}"/>
+                </a:ext>
+              </a:extLst>
+            </p:cNvPr>
+            <p:cNvPicPr>
+              <a:picLocks noChangeAspect="1"/>
+            </p:cNvPicPr>
+            <p:nvPr/>
+          </p:nvPicPr>
+          <p:blipFill>
+            <a:blip r:embed="rId7"/>
+            <a:stretch>
+              <a:fillRect/>
+            </a:stretch>
+          </p:blipFill>
+          <p:spPr>
+            <a:xfrm>
+              <a:off x="27371751" y="968680"/>
+              <a:ext cx="5839257" cy="3402303"/>
+            </a:xfrm>
+            <a:prstGeom prst="rect">
+              <a:avLst/>
+            </a:prstGeom>
+          </p:spPr>
+        </p:pic>
+        <p:pic>
+          <p:nvPicPr>
+            <p:cNvPr id="15" name="Picture 14" descr="A line of different colored lines&#10;&#10;Description automatically generated">
+              <a:extLst>
+                <a:ext uri="{FF2B5EF4-FFF2-40B4-BE49-F238E27FC236}">
+                  <a16:creationId xmlns:a16="http://schemas.microsoft.com/office/drawing/2014/main" id="{DE9A34E5-F4FF-2BF2-38BC-F8D2C7B8F701}"/>
+                </a:ext>
+              </a:extLst>
+            </p:cNvPr>
+            <p:cNvPicPr>
+              <a:picLocks noChangeAspect="1"/>
+            </p:cNvPicPr>
+            <p:nvPr/>
+          </p:nvPicPr>
+          <p:blipFill rotWithShape="1">
+            <a:blip r:embed="rId8"/>
+            <a:srcRect t="19658"/>
+            <a:stretch/>
+          </p:blipFill>
+          <p:spPr>
+            <a:xfrm>
+              <a:off x="24475876" y="953044"/>
+              <a:ext cx="4216400" cy="2550875"/>
+            </a:xfrm>
+            <a:prstGeom prst="rect">
+              <a:avLst/>
+            </a:prstGeom>
+          </p:spPr>
+        </p:pic>
+      </p:grpSp>
+      <p:sp>
+        <p:nvSpPr>
+          <p:cNvPr id="17" name="TextBox 16">
+            <a:extLst>
+              <a:ext uri="{FF2B5EF4-FFF2-40B4-BE49-F238E27FC236}">
+                <a16:creationId xmlns:a16="http://schemas.microsoft.com/office/drawing/2014/main" id="{EEFA19C9-9DC0-38A1-7D18-158B6EBB4B62}"/>
+              </a:ext>
+            </a:extLst>
+          </p:cNvPr>
+          <p:cNvSpPr txBox="1"/>
+          <p:nvPr/>
+        </p:nvSpPr>
+        <p:spPr>
+          <a:xfrm>
+            <a:off x="22809685" y="368268"/>
+            <a:ext cx="1279517" cy="1169551"/>
+          </a:xfrm>
+          <a:prstGeom prst="rect">
+            <a:avLst/>
+          </a:prstGeom>
+          <a:noFill/>
+        </p:spPr>
+        <p:txBody>
+          <a:bodyPr wrap="none" rtlCol="0">
+            <a:spAutoFit/>
+          </a:bodyPr>
+          <a:lstStyle/>
+          <a:p>
+            <a:r>
+              <a:rPr lang="en-US" sz="7000" dirty="0">
+                <a:latin typeface="Arial" panose="020B0604020202020204" pitchFamily="34" charset="0"/>
+                <a:cs typeface="Arial" panose="020B0604020202020204" pitchFamily="34" charset="0"/>
+              </a:rPr>
+              <a:t>(e)</a:t>
+            </a:r>
+          </a:p>
+        </p:txBody>
+      </p:sp>
     </p:spTree>
     <p:extLst>
       <p:ext uri="{BB962C8B-B14F-4D97-AF65-F5344CB8AC3E}">
@@ -3863,4 +4448,299 @@
     </a:ext>
   </a:extLst>
 </a:theme>
+</file>
+
+<file path=ppt/theme/theme2.xml><?xml version="1.0" encoding="utf-8"?>
+<a:theme xmlns:a="http://schemas.openxmlformats.org/drawingml/2006/main" name="Office Theme">
+  <a:themeElements>
+    <a:clrScheme name="Office">
+      <a:dk1>
+        <a:sysClr val="windowText" lastClr="000000"/>
+      </a:dk1>
+      <a:lt1>
+        <a:sysClr val="window" lastClr="FFFFFF"/>
+      </a:lt1>
+      <a:dk2>
+        <a:srgbClr val="44546A"/>
+      </a:dk2>
+      <a:lt2>
+        <a:srgbClr val="E7E6E6"/>
+      </a:lt2>
+      <a:accent1>
+        <a:srgbClr val="4472C4"/>
+      </a:accent1>
+      <a:accent2>
+        <a:srgbClr val="ED7D31"/>
+      </a:accent2>
+      <a:accent3>
+        <a:srgbClr val="A5A5A5"/>
+      </a:accent3>
+      <a:accent4>
+        <a:srgbClr val="FFC000"/>
+      </a:accent4>
+      <a:accent5>
+        <a:srgbClr val="5B9BD5"/>
+      </a:accent5>
+      <a:accent6>
+        <a:srgbClr val="70AD47"/>
+      </a:accent6>
+      <a:hlink>
+        <a:srgbClr val="0563C1"/>
+      </a:hlink>
+      <a:folHlink>
+        <a:srgbClr val="954F72"/>
+      </a:folHlink>
+    </a:clrScheme>
+    <a:fontScheme name="Office">
+      <a:majorFont>
+        <a:latin typeface="Calibri Light" panose="020F0302020204030204"/>
+        <a:ea typeface=""/>
+        <a:cs typeface=""/>
+        <a:font script="Jpan" typeface="游ゴシック Light"/>
+        <a:font script="Hang" typeface="맑은 고딕"/>
+        <a:font script="Hans" typeface="等线 Light"/>
+        <a:font script="Hant" typeface="新細明體"/>
+        <a:font script="Arab" typeface="Times New Roman"/>
+        <a:font script="Hebr" typeface="Times New Roman"/>
+        <a:font script="Thai" typeface="Angsana New"/>
+        <a:font script="Ethi" typeface="Nyala"/>
+        <a:font script="Beng" typeface="Vrinda"/>
+        <a:font script="Gujr" typeface="Shruti"/>
+        <a:font script="Khmr" typeface="MoolBoran"/>
+        <a:font script="Knda" typeface="Tunga"/>
+        <a:font script="Guru" typeface="Raavi"/>
+        <a:font script="Cans" typeface="Euphemia"/>
+        <a:font script="Cher" typeface="Plantagenet Cherokee"/>
+        <a:font script="Yiii" typeface="Microsoft Yi Baiti"/>
+        <a:font script="Tibt" typeface="Microsoft Himalaya"/>
+        <a:font script="Thaa" typeface="MV Boli"/>
+        <a:font script="Deva" typeface="Mangal"/>
+        <a:font script="Telu" typeface="Gautami"/>
+        <a:font script="Taml" typeface="Latha"/>
+        <a:font script="Syrc" typeface="Estrangelo Edessa"/>
+        <a:font script="Orya" typeface="Kalinga"/>
+        <a:font script="Mlym" typeface="Kartika"/>
+        <a:font script="Laoo" typeface="DokChampa"/>
+        <a:font script="Sinh" typeface="Iskoola Pota"/>
+        <a:font script="Mong" typeface="Mongolian Baiti"/>
+        <a:font script="Viet" typeface="Times New Roman"/>
+        <a:font script="Uigh" typeface="Microsoft Uighur"/>
+        <a:font script="Geor" typeface="Sylfaen"/>
+        <a:font script="Armn" typeface="Arial"/>
+        <a:font script="Bugi" typeface="Leelawadee UI"/>
+        <a:font script="Bopo" typeface="Microsoft JhengHei"/>
+        <a:font script="Java" typeface="Javanese Text"/>
+        <a:font script="Lisu" typeface="Segoe UI"/>
+        <a:font script="Mymr" typeface="Myanmar Text"/>
+        <a:font script="Nkoo" typeface="Ebrima"/>
+        <a:font script="Olck" typeface="Nirmala UI"/>
+        <a:font script="Osma" typeface="Ebrima"/>
+        <a:font script="Phag" typeface="Phagspa"/>
+        <a:font script="Syrn" typeface="Estrangelo Edessa"/>
+        <a:font script="Syrj" typeface="Estrangelo Edessa"/>
+        <a:font script="Syre" typeface="Estrangelo Edessa"/>
+        <a:font script="Sora" typeface="Nirmala UI"/>
+        <a:font script="Tale" typeface="Microsoft Tai Le"/>
+        <a:font script="Talu" typeface="Microsoft New Tai Lue"/>
+        <a:font script="Tfng" typeface="Ebrima"/>
+      </a:majorFont>
+      <a:minorFont>
+        <a:latin typeface="Calibri" panose="020F0502020204030204"/>
+        <a:ea typeface=""/>
+        <a:cs typeface=""/>
+        <a:font script="Jpan" typeface="游ゴシック"/>
+        <a:font script="Hang" typeface="맑은 고딕"/>
+        <a:font script="Hans" typeface="等线"/>
+        <a:font script="Hant" typeface="新細明體"/>
+        <a:font script="Arab" typeface="Arial"/>
+        <a:font script="Hebr" typeface="Arial"/>
+        <a:font script="Thai" typeface="Cordia New"/>
+        <a:font script="Ethi" typeface="Nyala"/>
+        <a:font script="Beng" typeface="Vrinda"/>
+        <a:font script="Gujr" typeface="Shruti"/>
+        <a:font script="Khmr" typeface="DaunPenh"/>
+        <a:font script="Knda" typeface="Tunga"/>
+        <a:font script="Guru" typeface="Raavi"/>
+        <a:font script="Cans" typeface="Euphemia"/>
+        <a:font script="Cher" typeface="Plantagenet Cherokee"/>
+        <a:font script="Yiii" typeface="Microsoft Yi Baiti"/>
+        <a:font script="Tibt" typeface="Microsoft Himalaya"/>
+        <a:font script="Thaa" typeface="MV Boli"/>
+        <a:font script="Deva" typeface="Mangal"/>
+        <a:font script="Telu" typeface="Gautami"/>
+        <a:font script="Taml" typeface="Latha"/>
+        <a:font script="Syrc" typeface="Estrangelo Edessa"/>
+        <a:font script="Orya" typeface="Kalinga"/>
+        <a:font script="Mlym" typeface="Kartika"/>
+        <a:font script="Laoo" typeface="DokChampa"/>
+        <a:font script="Sinh" typeface="Iskoola Pota"/>
+        <a:font script="Mong" typeface="Mongolian Baiti"/>
+        <a:font script="Viet" typeface="Arial"/>
+        <a:font script="Uigh" typeface="Microsoft Uighur"/>
+        <a:font script="Geor" typeface="Sylfaen"/>
+        <a:font script="Armn" typeface="Arial"/>
+        <a:font script="Bugi" typeface="Leelawadee UI"/>
+        <a:font script="Bopo" typeface="Microsoft JhengHei"/>
+        <a:font script="Java" typeface="Javanese Text"/>
+        <a:font script="Lisu" typeface="Segoe UI"/>
+        <a:font script="Mymr" typeface="Myanmar Text"/>
+        <a:font script="Nkoo" typeface="Ebrima"/>
+        <a:font script="Olck" typeface="Nirmala UI"/>
+        <a:font script="Osma" typeface="Ebrima"/>
+        <a:font script="Phag" typeface="Phagspa"/>
+        <a:font script="Syrn" typeface="Estrangelo Edessa"/>
+        <a:font script="Syrj" typeface="Estrangelo Edessa"/>
+        <a:font script="Syre" typeface="Estrangelo Edessa"/>
+        <a:font script="Sora" typeface="Nirmala UI"/>
+        <a:font script="Tale" typeface="Microsoft Tai Le"/>
+        <a:font script="Talu" typeface="Microsoft New Tai Lue"/>
+        <a:font script="Tfng" typeface="Ebrima"/>
+      </a:minorFont>
+    </a:fontScheme>
+    <a:fmtScheme name="Office">
+      <a:fillStyleLst>
+        <a:solidFill>
+          <a:schemeClr val="phClr"/>
+        </a:solidFill>
+        <a:gradFill rotWithShape="1">
+          <a:gsLst>
+            <a:gs pos="0">
+              <a:schemeClr val="phClr">
+                <a:lumMod val="110000"/>
+                <a:satMod val="105000"/>
+                <a:tint val="67000"/>
+              </a:schemeClr>
+            </a:gs>
+            <a:gs pos="50000">
+              <a:schemeClr val="phClr">
+                <a:lumMod val="105000"/>
+                <a:satMod val="103000"/>
+                <a:tint val="73000"/>
+              </a:schemeClr>
+            </a:gs>
+            <a:gs pos="100000">
+              <a:schemeClr val="phClr">
+                <a:lumMod val="105000"/>
+                <a:satMod val="109000"/>
+                <a:tint val="81000"/>
+              </a:schemeClr>
+            </a:gs>
+          </a:gsLst>
+          <a:lin ang="5400000" scaled="0"/>
+        </a:gradFill>
+        <a:gradFill rotWithShape="1">
+          <a:gsLst>
+            <a:gs pos="0">
+              <a:schemeClr val="phClr">
+                <a:satMod val="103000"/>
+                <a:lumMod val="102000"/>
+                <a:tint val="94000"/>
+              </a:schemeClr>
+            </a:gs>
+            <a:gs pos="50000">
+              <a:schemeClr val="phClr">
+                <a:satMod val="110000"/>
+                <a:lumMod val="100000"/>
+                <a:shade val="100000"/>
+              </a:schemeClr>
+            </a:gs>
+            <a:gs pos="100000">
+              <a:schemeClr val="phClr">
+                <a:lumMod val="99000"/>
+                <a:satMod val="120000"/>
+                <a:shade val="78000"/>
+              </a:schemeClr>
+            </a:gs>
+          </a:gsLst>
+          <a:lin ang="5400000" scaled="0"/>
+        </a:gradFill>
+      </a:fillStyleLst>
+      <a:lnStyleLst>
+        <a:ln w="6350" cap="flat" cmpd="sng" algn="ctr">
+          <a:solidFill>
+            <a:schemeClr val="phClr"/>
+          </a:solidFill>
+          <a:prstDash val="solid"/>
+          <a:miter lim="800000"/>
+        </a:ln>
+        <a:ln w="12700" cap="flat" cmpd="sng" algn="ctr">
+          <a:solidFill>
+            <a:schemeClr val="phClr"/>
+          </a:solidFill>
+          <a:prstDash val="solid"/>
+          <a:miter lim="800000"/>
+        </a:ln>
+        <a:ln w="19050" cap="flat" cmpd="sng" algn="ctr">
+          <a:solidFill>
+            <a:schemeClr val="phClr"/>
+          </a:solidFill>
+          <a:prstDash val="solid"/>
+          <a:miter lim="800000"/>
+        </a:ln>
+      </a:lnStyleLst>
+      <a:effectStyleLst>
+        <a:effectStyle>
+          <a:effectLst/>
+        </a:effectStyle>
+        <a:effectStyle>
+          <a:effectLst/>
+        </a:effectStyle>
+        <a:effectStyle>
+          <a:effectLst>
+            <a:outerShdw blurRad="57150" dist="19050" dir="5400000" algn="ctr" rotWithShape="0">
+              <a:srgbClr val="000000">
+                <a:alpha val="63000"/>
+              </a:srgbClr>
+            </a:outerShdw>
+          </a:effectLst>
+        </a:effectStyle>
+      </a:effectStyleLst>
+      <a:bgFillStyleLst>
+        <a:solidFill>
+          <a:schemeClr val="phClr"/>
+        </a:solidFill>
+        <a:solidFill>
+          <a:schemeClr val="phClr">
+            <a:tint val="95000"/>
+            <a:satMod val="170000"/>
+          </a:schemeClr>
+        </a:solidFill>
+        <a:gradFill rotWithShape="1">
+          <a:gsLst>
+            <a:gs pos="0">
+              <a:schemeClr val="phClr">
+                <a:tint val="93000"/>
+                <a:satMod val="150000"/>
+                <a:shade val="98000"/>
+                <a:lumMod val="102000"/>
+              </a:schemeClr>
+            </a:gs>
+            <a:gs pos="50000">
+              <a:schemeClr val="phClr">
+                <a:tint val="98000"/>
+                <a:satMod val="130000"/>
+                <a:shade val="90000"/>
+                <a:lumMod val="103000"/>
+              </a:schemeClr>
+            </a:gs>
+            <a:gs pos="100000">
+              <a:schemeClr val="phClr">
+                <a:shade val="63000"/>
+                <a:satMod val="120000"/>
+              </a:schemeClr>
+            </a:gs>
+          </a:gsLst>
+          <a:lin ang="5400000" scaled="0"/>
+        </a:gradFill>
+      </a:bgFillStyleLst>
+    </a:fmtScheme>
+  </a:themeElements>
+  <a:objectDefaults/>
+  <a:extraClrSchemeLst/>
+  <a:extLst>
+    <a:ext uri="{05A4C25C-085E-4340-85A3-A5531E510DB2}">
+      <thm15:themeFamily xmlns:thm15="http://schemas.microsoft.com/office/thememl/2012/main" name="Office Theme" id="{62F939B6-93AF-4DB8-9C6B-D6C7DFDC589F}" vid="{4A3C46E8-61CC-4603-A589-7422A47A8E4A}"/>
+    </a:ext>
+  </a:extLst>
+</a:theme>
 </file>